--- a/MyTweet/MyTweet.pptx
+++ b/MyTweet/MyTweet.pptx
@@ -112,6 +112,11 @@
       </a:defRPr>
     </a:lvl9pPr>
   </p:defaultTextStyle>
+  <p:extLst>
+    <p:ext uri="{EFAFB233-063F-42B5-8137-9DF3F51BA10A}">
+      <p15:sldGuideLst xmlns:p15="http://schemas.microsoft.com/office/powerpoint/2012/main"/>
+    </p:ext>
+  </p:extLst>
 </p:presentation>
 </file>
 
@@ -5995,8 +6000,21 @@
             </a:pPr>
             <a:r>
               <a:rPr lang="en-US" sz="3200" dirty="0" smtClean="0"/>
-              <a:t>In the project. We collected tweet’s comment. And analysis the comments through sever ways. Finally, we got topic in the comments and the topic frequency for the graph</a:t>
-            </a:r>
+              <a:t>In the project. We collected tweet’s comment. And analysis the comments through </a:t>
+            </a:r>
+            <a:r>
+              <a:rPr lang="en-US" sz="3200" dirty="0" smtClean="0"/>
+              <a:t>several </a:t>
+            </a:r>
+            <a:r>
+              <a:rPr lang="en-US" sz="3200" dirty="0" smtClean="0"/>
+              <a:t>ways. Finally, </a:t>
+            </a:r>
+            <a:r>
+              <a:rPr lang="en-US" sz="3200" dirty="0" smtClean="0"/>
+              <a:t>we got topic in the comment and output the count of topic and the frequency of the topic.</a:t>
+            </a:r>
+            <a:endParaRPr lang="en-US" sz="3200" dirty="0" smtClean="0"/>
           </a:p>
         </p:txBody>
       </p:sp>
@@ -6500,28 +6518,28 @@
           </a:p>
           <a:p>
             <a:r>
-              <a:rPr lang="en-US" sz="3600" smtClean="0"/>
+              <a:rPr lang="en-US" sz="3600" dirty="0" smtClean="0"/>
               <a:t>Code Url: </a:t>
             </a:r>
             <a:r>
-              <a:rPr lang="en-US" sz="3600" smtClean="0">
+              <a:rPr lang="en-US" sz="3600" dirty="0" smtClean="0">
                 <a:hlinkClick r:id="rId3"/>
               </a:rPr>
               <a:t>https</a:t>
             </a:r>
             <a:r>
-              <a:rPr lang="en-US" sz="3600">
+              <a:rPr lang="en-US" sz="3600" dirty="0">
                 <a:hlinkClick r:id="rId3"/>
               </a:rPr>
               <a:t>://</a:t>
             </a:r>
             <a:r>
-              <a:rPr lang="en-US" sz="3600" smtClean="0">
+              <a:rPr lang="en-US" sz="3600" dirty="0" smtClean="0">
                 <a:hlinkClick r:id="rId3"/>
               </a:rPr>
               <a:t>github.com/cnsgcu/Tidercartxe</a:t>
             </a:r>
-            <a:endParaRPr lang="en-US" sz="3600" smtClean="0"/>
+            <a:endParaRPr lang="en-US" sz="3600" dirty="0" smtClean="0"/>
           </a:p>
           <a:p>
             <a:endParaRPr lang="en-US" sz="3600" dirty="0"/>
